--- a/lectures/E12-Evil-is-going-on/E12 - Evil is going on.pptx
+++ b/lectures/E12-Evil-is-going-on/E12 - Evil is going on.pptx
@@ -5,10 +5,10 @@
     <p:sldMasterId id="2147483648" r:id="rId1"/>
   </p:sldMasterIdLst>
   <p:notesMasterIdLst>
-    <p:notesMasterId r:id="rId34"/>
+    <p:notesMasterId r:id="rId33"/>
   </p:notesMasterIdLst>
   <p:handoutMasterIdLst>
-    <p:handoutMasterId r:id="rId35"/>
+    <p:handoutMasterId r:id="rId34"/>
   </p:handoutMasterIdLst>
   <p:sldIdLst>
     <p:sldId id="311" r:id="rId2"/>
@@ -27,22 +27,21 @@
     <p:sldId id="306" r:id="rId15"/>
     <p:sldId id="305" r:id="rId16"/>
     <p:sldId id="318" r:id="rId17"/>
-    <p:sldId id="319" r:id="rId18"/>
-    <p:sldId id="297" r:id="rId19"/>
-    <p:sldId id="298" r:id="rId20"/>
-    <p:sldId id="300" r:id="rId21"/>
-    <p:sldId id="285" r:id="rId22"/>
-    <p:sldId id="308" r:id="rId23"/>
-    <p:sldId id="309" r:id="rId24"/>
-    <p:sldId id="310" r:id="rId25"/>
-    <p:sldId id="303" r:id="rId26"/>
-    <p:sldId id="323" r:id="rId27"/>
-    <p:sldId id="324" r:id="rId28"/>
-    <p:sldId id="321" r:id="rId29"/>
-    <p:sldId id="322" r:id="rId30"/>
-    <p:sldId id="295" r:id="rId31"/>
-    <p:sldId id="281" r:id="rId32"/>
-    <p:sldId id="280" r:id="rId33"/>
+    <p:sldId id="297" r:id="rId18"/>
+    <p:sldId id="298" r:id="rId19"/>
+    <p:sldId id="300" r:id="rId20"/>
+    <p:sldId id="285" r:id="rId21"/>
+    <p:sldId id="308" r:id="rId22"/>
+    <p:sldId id="309" r:id="rId23"/>
+    <p:sldId id="310" r:id="rId24"/>
+    <p:sldId id="303" r:id="rId25"/>
+    <p:sldId id="323" r:id="rId26"/>
+    <p:sldId id="324" r:id="rId27"/>
+    <p:sldId id="321" r:id="rId28"/>
+    <p:sldId id="322" r:id="rId29"/>
+    <p:sldId id="295" r:id="rId30"/>
+    <p:sldId id="281" r:id="rId31"/>
+    <p:sldId id="280" r:id="rId32"/>
   </p:sldIdLst>
   <p:sldSz cx="9144000" cy="5715000" type="screen16x10"/>
   <p:notesSz cx="7099300" cy="10234613"/>
@@ -7863,7 +7862,7 @@
           <a:graphicData uri="http://schemas.openxmlformats.org/presentationml/2006/ole">
             <mc:AlternateContent xmlns:mc="http://schemas.openxmlformats.org/markup-compatibility/2006">
               <mc:Choice xmlns:v="urn:schemas-microsoft-com:vml" Requires="v">
-                <p:oleObj spid="_x0000_s5153" name="Image" r:id="rId3" imgW="8711111" imgH="5866667" progId="">
+                <p:oleObj spid="_x0000_s5154" name="Image" r:id="rId3" imgW="8711111" imgH="5866667" progId="">
                   <p:embed/>
                 </p:oleObj>
               </mc:Choice>
@@ -14659,591 +14658,6 @@
           <a:lstStyle/>
           <a:p>
             <a:r>
-              <a:rPr lang="sv-SE" dirty="0" err="1" smtClean="0"/>
-              <a:t>send</a:t>
-            </a:r>
-            <a:r>
-              <a:rPr lang="sv-SE" dirty="0" smtClean="0"/>
-              <a:t> POST</a:t>
-            </a:r>
-            <a:endParaRPr lang="sv-SE" dirty="0"/>
-          </a:p>
-        </p:txBody>
-      </p:sp>
-      <p:sp>
-        <p:nvSpPr>
-          <p:cNvPr id="4" name="Rectangle 3"/>
-          <p:cNvSpPr/>
-          <p:nvPr/>
-        </p:nvSpPr>
-        <p:spPr>
-          <a:xfrm>
-            <a:off x="649466" y="1417340"/>
-            <a:ext cx="7488832" cy="1477328"/>
-          </a:xfrm>
-          <a:prstGeom prst="rect">
-            <a:avLst/>
-          </a:prstGeom>
-        </p:spPr>
-        <p:style>
-          <a:lnRef idx="1">
-            <a:schemeClr val="accent2"/>
-          </a:lnRef>
-          <a:fillRef idx="2">
-            <a:schemeClr val="accent2"/>
-          </a:fillRef>
-          <a:effectRef idx="1">
-            <a:schemeClr val="accent2"/>
-          </a:effectRef>
-          <a:fontRef idx="minor">
-            <a:schemeClr val="dk1"/>
-          </a:fontRef>
-        </p:style>
-        <p:txBody>
-          <a:bodyPr wrap="square">
-            <a:spAutoFit/>
-          </a:bodyPr>
-          <a:lstStyle/>
-          <a:p>
-            <a:r>
-              <a:rPr lang="sv-SE" dirty="0">
-                <a:latin typeface="Courier New" pitchFamily="49" charset="0"/>
-                <a:cs typeface="Courier New" pitchFamily="49" charset="0"/>
-              </a:rPr>
-              <a:t>var </a:t>
-            </a:r>
-            <a:r>
-              <a:rPr lang="sv-SE" dirty="0" err="1">
-                <a:latin typeface="Courier New" pitchFamily="49" charset="0"/>
-                <a:cs typeface="Courier New" pitchFamily="49" charset="0"/>
-              </a:rPr>
-              <a:t>xhr</a:t>
-            </a:r>
-            <a:r>
-              <a:rPr lang="sv-SE" dirty="0">
-                <a:latin typeface="Courier New" pitchFamily="49" charset="0"/>
-                <a:cs typeface="Courier New" pitchFamily="49" charset="0"/>
-              </a:rPr>
-              <a:t> = </a:t>
-            </a:r>
-            <a:r>
-              <a:rPr lang="sv-SE" dirty="0">
-                <a:latin typeface="Courier New" pitchFamily="49" charset="0"/>
-              </a:rPr>
-              <a:t>new </a:t>
-            </a:r>
-            <a:r>
-              <a:rPr lang="sv-SE" dirty="0" err="1">
-                <a:latin typeface="Courier New" pitchFamily="49" charset="0"/>
-              </a:rPr>
-              <a:t>XMLHttpRequest</a:t>
-            </a:r>
-            <a:r>
-              <a:rPr lang="sv-SE" dirty="0">
-                <a:latin typeface="Courier New" pitchFamily="49" charset="0"/>
-              </a:rPr>
-              <a:t>();</a:t>
-            </a:r>
-            <a:endParaRPr lang="sv-SE" dirty="0">
-              <a:latin typeface="Courier New" pitchFamily="49" charset="0"/>
-              <a:cs typeface="Courier New" pitchFamily="49" charset="0"/>
-            </a:endParaRPr>
-          </a:p>
-          <a:p>
-            <a:r>
-              <a:rPr lang="sv-SE" dirty="0" err="1">
-                <a:latin typeface="Courier New" pitchFamily="49" charset="0"/>
-                <a:cs typeface="Courier New" pitchFamily="49" charset="0"/>
-              </a:rPr>
-              <a:t>xhr.onreadystatechange</a:t>
-            </a:r>
-            <a:r>
-              <a:rPr lang="sv-SE" dirty="0">
-                <a:latin typeface="Courier New" pitchFamily="49" charset="0"/>
-                <a:cs typeface="Courier New" pitchFamily="49" charset="0"/>
-              </a:rPr>
-              <a:t> = </a:t>
-            </a:r>
-            <a:r>
-              <a:rPr lang="sv-SE" dirty="0" err="1">
-                <a:latin typeface="Courier New" pitchFamily="49" charset="0"/>
-                <a:cs typeface="Courier New" pitchFamily="49" charset="0"/>
-              </a:rPr>
-              <a:t>function</a:t>
-            </a:r>
-            <a:r>
-              <a:rPr lang="sv-SE" dirty="0" smtClean="0">
-                <a:latin typeface="Courier New" pitchFamily="49" charset="0"/>
-                <a:cs typeface="Courier New" pitchFamily="49" charset="0"/>
-              </a:rPr>
-              <a:t>(){...};</a:t>
-            </a:r>
-            <a:endParaRPr lang="sv-SE" dirty="0">
-              <a:latin typeface="Courier New" pitchFamily="49" charset="0"/>
-              <a:cs typeface="Courier New" pitchFamily="49" charset="0"/>
-            </a:endParaRPr>
-          </a:p>
-          <a:p>
-            <a:r>
-              <a:rPr lang="sv-SE" dirty="0" err="1" smtClean="0">
-                <a:latin typeface="Courier New" pitchFamily="49" charset="0"/>
-                <a:cs typeface="Courier New" pitchFamily="49" charset="0"/>
-              </a:rPr>
-              <a:t>xhr.open</a:t>
-            </a:r>
-            <a:r>
-              <a:rPr lang="sv-SE" dirty="0">
-                <a:latin typeface="Courier New" pitchFamily="49" charset="0"/>
-                <a:cs typeface="Courier New" pitchFamily="49" charset="0"/>
-              </a:rPr>
-              <a:t>("GET</a:t>
-            </a:r>
-            <a:r>
-              <a:rPr lang="sv-SE" dirty="0" smtClean="0">
-                <a:latin typeface="Courier New" pitchFamily="49" charset="0"/>
-                <a:cs typeface="Courier New" pitchFamily="49" charset="0"/>
-              </a:rPr>
-              <a:t>"</a:t>
-            </a:r>
-            <a:r>
-              <a:rPr lang="sv-SE" dirty="0">
-                <a:latin typeface="Courier New" pitchFamily="49" charset="0"/>
-                <a:cs typeface="Courier New" pitchFamily="49" charset="0"/>
-              </a:rPr>
-              <a:t>, </a:t>
-            </a:r>
-            <a:r>
-              <a:rPr lang="sv-SE" dirty="0">
-                <a:latin typeface="Courier New" pitchFamily="49" charset="0"/>
-                <a:cs typeface="Courier New" pitchFamily="49" charset="0"/>
-              </a:rPr>
-              <a:t>"</a:t>
-            </a:r>
-            <a:r>
-              <a:rPr lang="sv-SE" dirty="0" err="1" smtClean="0">
-                <a:latin typeface="Courier New" pitchFamily="49" charset="0"/>
-                <a:cs typeface="Courier New" pitchFamily="49" charset="0"/>
-              </a:rPr>
-              <a:t>product</a:t>
-            </a:r>
-            <a:r>
-              <a:rPr lang="sv-SE" dirty="0" smtClean="0">
-                <a:latin typeface="Courier New" pitchFamily="49" charset="0"/>
-                <a:cs typeface="Courier New" pitchFamily="49" charset="0"/>
-              </a:rPr>
-              <a:t>/15432</a:t>
-            </a:r>
-            <a:r>
-              <a:rPr lang="sv-SE" dirty="0">
-                <a:latin typeface="Courier New" pitchFamily="49" charset="0"/>
-                <a:cs typeface="Courier New" pitchFamily="49" charset="0"/>
-              </a:rPr>
-              <a:t>", </a:t>
-            </a:r>
-            <a:r>
-              <a:rPr lang="sv-SE" dirty="0" err="1">
-                <a:latin typeface="Courier New" pitchFamily="49" charset="0"/>
-                <a:cs typeface="Courier New" pitchFamily="49" charset="0"/>
-              </a:rPr>
-              <a:t>true</a:t>
-            </a:r>
-            <a:r>
-              <a:rPr lang="sv-SE" dirty="0" smtClean="0">
-                <a:latin typeface="Courier New" pitchFamily="49" charset="0"/>
-                <a:cs typeface="Courier New" pitchFamily="49" charset="0"/>
-              </a:rPr>
-              <a:t>);</a:t>
-            </a:r>
-          </a:p>
-          <a:p>
-            <a:endParaRPr lang="sv-SE" dirty="0">
-              <a:latin typeface="Courier New" pitchFamily="49" charset="0"/>
-              <a:cs typeface="Courier New" pitchFamily="49" charset="0"/>
-            </a:endParaRPr>
-          </a:p>
-          <a:p>
-            <a:r>
-              <a:rPr lang="sv-SE" b="1" dirty="0" err="1" smtClean="0">
-                <a:latin typeface="Courier New" pitchFamily="49" charset="0"/>
-                <a:cs typeface="Courier New" pitchFamily="49" charset="0"/>
-              </a:rPr>
-              <a:t>xhr.send</a:t>
-            </a:r>
-            <a:r>
-              <a:rPr lang="sv-SE" b="1" dirty="0" smtClean="0">
-                <a:latin typeface="Courier New" pitchFamily="49" charset="0"/>
-                <a:cs typeface="Courier New" pitchFamily="49" charset="0"/>
-              </a:rPr>
-              <a:t>(</a:t>
-            </a:r>
-            <a:r>
-              <a:rPr lang="sv-SE" b="1" dirty="0" err="1" smtClean="0">
-                <a:latin typeface="Courier New" pitchFamily="49" charset="0"/>
-                <a:cs typeface="Courier New" pitchFamily="49" charset="0"/>
-              </a:rPr>
-              <a:t>null</a:t>
-            </a:r>
-            <a:r>
-              <a:rPr lang="sv-SE" b="1" dirty="0" smtClean="0">
-                <a:latin typeface="Courier New" pitchFamily="49" charset="0"/>
-                <a:cs typeface="Courier New" pitchFamily="49" charset="0"/>
-              </a:rPr>
-              <a:t>);</a:t>
-            </a:r>
-            <a:endParaRPr lang="sv-SE" b="1" dirty="0">
-              <a:latin typeface="Courier New" pitchFamily="49" charset="0"/>
-              <a:cs typeface="Courier New" pitchFamily="49" charset="0"/>
-            </a:endParaRPr>
-          </a:p>
-        </p:txBody>
-      </p:sp>
-      <p:sp>
-        <p:nvSpPr>
-          <p:cNvPr id="5" name="Freeform 4"/>
-          <p:cNvSpPr/>
-          <p:nvPr/>
-        </p:nvSpPr>
-        <p:spPr>
-          <a:xfrm>
-            <a:off x="2243797" y="2834640"/>
-            <a:ext cx="1589649" cy="433210"/>
-          </a:xfrm>
-          <a:custGeom>
-            <a:avLst/>
-            <a:gdLst>
-              <a:gd name="connsiteX0" fmla="*/ 1589649 w 1589649"/>
-              <a:gd name="connsiteY0" fmla="*/ 379828 h 433210"/>
-              <a:gd name="connsiteX1" fmla="*/ 471268 w 1589649"/>
-              <a:gd name="connsiteY1" fmla="*/ 400929 h 433210"/>
-              <a:gd name="connsiteX2" fmla="*/ 0 w 1589649"/>
-              <a:gd name="connsiteY2" fmla="*/ 0 h 433210"/>
-            </a:gdLst>
-            <a:ahLst/>
-            <a:cxnLst>
-              <a:cxn ang="0">
-                <a:pos x="connsiteX0" y="connsiteY0"/>
-              </a:cxn>
-              <a:cxn ang="0">
-                <a:pos x="connsiteX1" y="connsiteY1"/>
-              </a:cxn>
-              <a:cxn ang="0">
-                <a:pos x="connsiteX2" y="connsiteY2"/>
-              </a:cxn>
-            </a:cxnLst>
-            <a:rect l="l" t="t" r="r" b="b"/>
-            <a:pathLst>
-              <a:path w="1589649" h="433210">
-                <a:moveTo>
-                  <a:pt x="1589649" y="379828"/>
-                </a:moveTo>
-                <a:cubicBezTo>
-                  <a:pt x="1162929" y="422031"/>
-                  <a:pt x="736209" y="464234"/>
-                  <a:pt x="471268" y="400929"/>
-                </a:cubicBezTo>
-                <a:cubicBezTo>
-                  <a:pt x="206327" y="337624"/>
-                  <a:pt x="103163" y="168812"/>
-                  <a:pt x="0" y="0"/>
-                </a:cubicBezTo>
-              </a:path>
-            </a:pathLst>
-          </a:custGeom>
-          <a:ln w="15875">
-            <a:solidFill>
-              <a:srgbClr val="FF0000"/>
-            </a:solidFill>
-            <a:tailEnd type="arrow"/>
-          </a:ln>
-        </p:spPr>
-        <p:style>
-          <a:lnRef idx="1">
-            <a:schemeClr val="accent1"/>
-          </a:lnRef>
-          <a:fillRef idx="0">
-            <a:schemeClr val="accent1"/>
-          </a:fillRef>
-          <a:effectRef idx="0">
-            <a:schemeClr val="accent1"/>
-          </a:effectRef>
-          <a:fontRef idx="minor">
-            <a:schemeClr val="tx1"/>
-          </a:fontRef>
-        </p:style>
-        <p:txBody>
-          <a:bodyPr rtlCol="0" anchor="ctr"/>
-          <a:lstStyle/>
-          <a:p>
-            <a:pPr algn="ctr"/>
-            <a:endParaRPr lang="sv-SE"/>
-          </a:p>
-        </p:txBody>
-      </p:sp>
-      <p:sp>
-        <p:nvSpPr>
-          <p:cNvPr id="6" name="TextBox 5"/>
-          <p:cNvSpPr txBox="1"/>
-          <p:nvPr/>
-        </p:nvSpPr>
-        <p:spPr>
-          <a:xfrm>
-            <a:off x="3779912" y="2929508"/>
-            <a:ext cx="4680520" cy="830997"/>
-          </a:xfrm>
-          <a:prstGeom prst="rect">
-            <a:avLst/>
-          </a:prstGeom>
-          <a:noFill/>
-        </p:spPr>
-        <p:txBody>
-          <a:bodyPr wrap="square" rtlCol="0">
-            <a:spAutoFit/>
-          </a:bodyPr>
-          <a:lstStyle/>
-          <a:p>
-            <a:r>
-              <a:rPr lang="sv-SE" sz="1600" dirty="0" smtClean="0">
-                <a:solidFill>
-                  <a:srgbClr val="FF0000"/>
-                </a:solidFill>
-                <a:latin typeface="Minya Nouvelle" pitchFamily="2" charset="0"/>
-              </a:rPr>
-              <a:t>Här kan du skicka data med </a:t>
-            </a:r>
-            <a:r>
-              <a:rPr lang="sv-SE" sz="1600" dirty="0" err="1" smtClean="0">
-                <a:solidFill>
-                  <a:srgbClr val="FF0000"/>
-                </a:solidFill>
-                <a:latin typeface="Minya Nouvelle" pitchFamily="2" charset="0"/>
-              </a:rPr>
-              <a:t>requesten</a:t>
-            </a:r>
-            <a:r>
-              <a:rPr lang="sv-SE" sz="1600" dirty="0" smtClean="0">
-                <a:solidFill>
-                  <a:srgbClr val="FF0000"/>
-                </a:solidFill>
-                <a:latin typeface="Minya Nouvelle" pitchFamily="2" charset="0"/>
-              </a:rPr>
-              <a:t>. Om du inte har någon data ska du alltid ange </a:t>
-            </a:r>
-            <a:r>
-              <a:rPr lang="sv-SE" sz="1600" dirty="0" err="1" smtClean="0">
-                <a:solidFill>
-                  <a:srgbClr val="FF0000"/>
-                </a:solidFill>
-                <a:latin typeface="Minya Nouvelle" pitchFamily="2" charset="0"/>
-              </a:rPr>
-              <a:t>null</a:t>
-            </a:r>
-            <a:r>
-              <a:rPr lang="sv-SE" sz="1600" dirty="0" smtClean="0">
-                <a:solidFill>
-                  <a:srgbClr val="FF0000"/>
-                </a:solidFill>
-                <a:latin typeface="Minya Nouvelle" pitchFamily="2" charset="0"/>
-              </a:rPr>
-              <a:t> p.g.a. </a:t>
-            </a:r>
-            <a:r>
-              <a:rPr lang="sv-SE" sz="1600" dirty="0" err="1" smtClean="0">
-                <a:solidFill>
-                  <a:srgbClr val="FF0000"/>
-                </a:solidFill>
-                <a:latin typeface="Minya Nouvelle" pitchFamily="2" charset="0"/>
-              </a:rPr>
-              <a:t>browserinkompabilitet</a:t>
-            </a:r>
-            <a:r>
-              <a:rPr lang="sv-SE" sz="1600" dirty="0" smtClean="0">
-                <a:solidFill>
-                  <a:srgbClr val="FF0000"/>
-                </a:solidFill>
-                <a:latin typeface="Minya Nouvelle" pitchFamily="2" charset="0"/>
-              </a:rPr>
-              <a:t>.</a:t>
-            </a:r>
-          </a:p>
-        </p:txBody>
-      </p:sp>
-      <p:sp>
-        <p:nvSpPr>
-          <p:cNvPr id="7" name="TextBox 6"/>
-          <p:cNvSpPr txBox="1"/>
-          <p:nvPr/>
-        </p:nvSpPr>
-        <p:spPr>
-          <a:xfrm>
-            <a:off x="899592" y="4585692"/>
-            <a:ext cx="4600940" cy="369332"/>
-          </a:xfrm>
-          <a:prstGeom prst="rect">
-            <a:avLst/>
-          </a:prstGeom>
-          <a:noFill/>
-        </p:spPr>
-        <p:txBody>
-          <a:bodyPr wrap="none" rtlCol="0">
-            <a:spAutoFit/>
-          </a:bodyPr>
-          <a:lstStyle/>
-          <a:p>
-            <a:r>
-              <a:rPr lang="sv-SE" dirty="0" err="1" smtClean="0">
-                <a:latin typeface="Minya Nouvelle" pitchFamily="2" charset="0"/>
-              </a:rPr>
-              <a:t>xhr.abort</a:t>
-            </a:r>
-            <a:r>
-              <a:rPr lang="sv-SE" dirty="0" smtClean="0">
-                <a:latin typeface="Minya Nouvelle" pitchFamily="2" charset="0"/>
-              </a:rPr>
-              <a:t>(); // avbryter ett aktuellt anrop</a:t>
-            </a:r>
-          </a:p>
-        </p:txBody>
-      </p:sp>
-      <p:grpSp>
-        <p:nvGrpSpPr>
-          <p:cNvPr id="8" name="Group 7"/>
-          <p:cNvGrpSpPr/>
-          <p:nvPr/>
-        </p:nvGrpSpPr>
-        <p:grpSpPr>
-          <a:xfrm>
-            <a:off x="2411760" y="481236"/>
-            <a:ext cx="404936" cy="404936"/>
-            <a:chOff x="6687344" y="1921396"/>
-            <a:chExt cx="404936" cy="404936"/>
-          </a:xfrm>
-        </p:grpSpPr>
-        <p:sp>
-          <p:nvSpPr>
-            <p:cNvPr id="9" name="Oval 8"/>
-            <p:cNvSpPr/>
-            <p:nvPr/>
-          </p:nvSpPr>
-          <p:spPr>
-            <a:xfrm>
-              <a:off x="6687344" y="1921396"/>
-              <a:ext cx="404936" cy="404936"/>
-            </a:xfrm>
-            <a:prstGeom prst="ellipse">
-              <a:avLst/>
-            </a:prstGeom>
-            <a:ln>
-              <a:tailEnd type="arrow"/>
-            </a:ln>
-          </p:spPr>
-          <p:style>
-            <a:lnRef idx="1">
-              <a:schemeClr val="accent1"/>
-            </a:lnRef>
-            <a:fillRef idx="2">
-              <a:schemeClr val="accent1"/>
-            </a:fillRef>
-            <a:effectRef idx="1">
-              <a:schemeClr val="accent1"/>
-            </a:effectRef>
-            <a:fontRef idx="minor">
-              <a:schemeClr val="dk1"/>
-            </a:fontRef>
-          </p:style>
-          <p:txBody>
-            <a:bodyPr rtlCol="0" anchor="ctr"/>
-            <a:lstStyle/>
-            <a:p>
-              <a:pPr algn="ctr"/>
-              <a:endParaRPr lang="sv-SE"/>
-            </a:p>
-          </p:txBody>
-        </p:sp>
-        <p:sp>
-          <p:nvSpPr>
-            <p:cNvPr id="10" name="TextBox 9"/>
-            <p:cNvSpPr txBox="1"/>
-            <p:nvPr/>
-          </p:nvSpPr>
-          <p:spPr>
-            <a:xfrm>
-              <a:off x="6746984" y="1939198"/>
-              <a:ext cx="293670" cy="369332"/>
-            </a:xfrm>
-            <a:prstGeom prst="rect">
-              <a:avLst/>
-            </a:prstGeom>
-            <a:noFill/>
-          </p:spPr>
-          <p:txBody>
-            <a:bodyPr wrap="none" rtlCol="0">
-              <a:spAutoFit/>
-            </a:bodyPr>
-            <a:lstStyle/>
-            <a:p>
-              <a:r>
-                <a:rPr lang="sv-SE" dirty="0" smtClean="0">
-                  <a:latin typeface="Minya Nouvelle" pitchFamily="2" charset="0"/>
-                </a:rPr>
-                <a:t>4</a:t>
-              </a:r>
-            </a:p>
-          </p:txBody>
-        </p:sp>
-      </p:grpSp>
-    </p:spTree>
-    <p:extLst>
-      <p:ext uri="{BB962C8B-B14F-4D97-AF65-F5344CB8AC3E}">
-        <p14:creationId xmlns:p14="http://schemas.microsoft.com/office/powerpoint/2010/main" val="1409642603"/>
-      </p:ext>
-    </p:extLst>
-  </p:cSld>
-  <p:clrMapOvr>
-    <a:masterClrMapping/>
-  </p:clrMapOvr>
-  <p:timing>
-    <p:tnLst>
-      <p:par>
-        <p:cTn xmlns:p14="http://schemas.microsoft.com/office/powerpoint/2010/main" id="1" dur="indefinite" restart="never" nodeType="tmRoot"/>
-      </p:par>
-    </p:tnLst>
-  </p:timing>
-</p:sld>
-</file>
-
-<file path=ppt/slides/slide18.xml><?xml version="1.0" encoding="utf-8"?>
-<p:sld xmlns:a="http://schemas.openxmlformats.org/drawingml/2006/main" xmlns:r="http://schemas.openxmlformats.org/officeDocument/2006/relationships" xmlns:p="http://schemas.openxmlformats.org/presentationml/2006/main">
-  <p:cSld>
-    <p:spTree>
-      <p:nvGrpSpPr>
-        <p:cNvPr id="1" name=""/>
-        <p:cNvGrpSpPr/>
-        <p:nvPr/>
-      </p:nvGrpSpPr>
-      <p:grpSpPr>
-        <a:xfrm>
-          <a:off x="0" y="0"/>
-          <a:ext cx="0" cy="0"/>
-          <a:chOff x="0" y="0"/>
-          <a:chExt cx="0" cy="0"/>
-        </a:xfrm>
-      </p:grpSpPr>
-      <p:sp>
-        <p:nvSpPr>
-          <p:cNvPr id="2" name="Title 1"/>
-          <p:cNvSpPr>
-            <a:spLocks noGrp="1"/>
-          </p:cNvSpPr>
-          <p:nvPr>
-            <p:ph type="ctrTitle"/>
-          </p:nvPr>
-        </p:nvSpPr>
-        <p:spPr/>
-        <p:txBody>
-          <a:bodyPr/>
-          <a:lstStyle/>
-          <a:p>
-            <a:r>
               <a:rPr lang="sv-SE" sz="3200" dirty="0" smtClean="0"/>
               <a:t>1) Data skickas som text eller HTML</a:t>
             </a:r>
@@ -15830,7 +15244,7 @@
 </p:sld>
 </file>
 
-<file path=ppt/slides/slide19.xml><?xml version="1.0" encoding="utf-8"?>
+<file path=ppt/slides/slide18.xml><?xml version="1.0" encoding="utf-8"?>
 <p:sld xmlns:a="http://schemas.openxmlformats.org/drawingml/2006/main" xmlns:r="http://schemas.openxmlformats.org/officeDocument/2006/relationships" xmlns:p="http://schemas.openxmlformats.org/presentationml/2006/main">
   <p:cSld>
     <p:spTree>
@@ -16121,261 +15535,7 @@
 </p:sld>
 </file>
 
-<file path=ppt/slides/slide2.xml><?xml version="1.0" encoding="utf-8"?>
-<p:sld xmlns:a="http://schemas.openxmlformats.org/drawingml/2006/main" xmlns:r="http://schemas.openxmlformats.org/officeDocument/2006/relationships" xmlns:p="http://schemas.openxmlformats.org/presentationml/2006/main">
-  <p:cSld>
-    <p:spTree>
-      <p:nvGrpSpPr>
-        <p:cNvPr id="1" name=""/>
-        <p:cNvGrpSpPr/>
-        <p:nvPr/>
-      </p:nvGrpSpPr>
-      <p:grpSpPr>
-        <a:xfrm>
-          <a:off x="0" y="0"/>
-          <a:ext cx="0" cy="0"/>
-          <a:chOff x="0" y="0"/>
-          <a:chExt cx="0" cy="0"/>
-        </a:xfrm>
-      </p:grpSpPr>
-      <p:sp>
-        <p:nvSpPr>
-          <p:cNvPr id="2" name="Title 1"/>
-          <p:cNvSpPr>
-            <a:spLocks noGrp="1"/>
-          </p:cNvSpPr>
-          <p:nvPr>
-            <p:ph type="ctrTitle"/>
-          </p:nvPr>
-        </p:nvSpPr>
-        <p:spPr/>
-        <p:txBody>
-          <a:bodyPr/>
-          <a:lstStyle/>
-          <a:p>
-            <a:r>
-              <a:rPr lang="sv-SE" dirty="0" smtClean="0"/>
-              <a:t>E12 – </a:t>
-            </a:r>
-            <a:r>
-              <a:rPr lang="sv-SE" dirty="0" err="1" smtClean="0"/>
-              <a:t>Evil</a:t>
-            </a:r>
-            <a:r>
-              <a:rPr lang="sv-SE" dirty="0" smtClean="0"/>
-              <a:t> is going on</a:t>
-            </a:r>
-            <a:endParaRPr lang="sv-SE" sz="3200" dirty="0"/>
-          </a:p>
-        </p:txBody>
-      </p:sp>
-      <p:sp>
-        <p:nvSpPr>
-          <p:cNvPr id="4" name="TextBox 3"/>
-          <p:cNvSpPr txBox="1"/>
-          <p:nvPr/>
-        </p:nvSpPr>
-        <p:spPr>
-          <a:xfrm>
-            <a:off x="1403648" y="1378601"/>
-            <a:ext cx="3238322" cy="4001095"/>
-          </a:xfrm>
-          <a:prstGeom prst="rect">
-            <a:avLst/>
-          </a:prstGeom>
-          <a:noFill/>
-        </p:spPr>
-        <p:txBody>
-          <a:bodyPr wrap="none" rtlCol="0">
-            <a:spAutoFit/>
-          </a:bodyPr>
-          <a:lstStyle/>
-          <a:p>
-            <a:r>
-              <a:rPr lang="sv-SE" sz="2800" b="1" dirty="0" smtClean="0">
-                <a:latin typeface="Minya Nouvelle" pitchFamily="2" charset="0"/>
-              </a:rPr>
-              <a:t>Dagens agenda</a:t>
-            </a:r>
-          </a:p>
-          <a:p>
-            <a:endParaRPr lang="sv-SE" sz="2800" dirty="0" smtClean="0">
-              <a:latin typeface="Minya Nouvelle" pitchFamily="2" charset="0"/>
-            </a:endParaRPr>
-          </a:p>
-          <a:p>
-            <a:pPr marL="285750" indent="-285750">
-              <a:buFont typeface="Arial" charset="0"/>
-              <a:buChar char="•"/>
-            </a:pPr>
-            <a:r>
-              <a:rPr lang="sv-SE" dirty="0" smtClean="0">
-                <a:latin typeface="Minya Nouvelle" pitchFamily="2" charset="0"/>
-              </a:rPr>
-              <a:t>AJAX</a:t>
-            </a:r>
-          </a:p>
-          <a:p>
-            <a:pPr marL="285750" indent="-285750">
-              <a:buFont typeface="Arial" charset="0"/>
-              <a:buChar char="•"/>
-            </a:pPr>
-            <a:r>
-              <a:rPr lang="sv-SE" dirty="0" err="1" smtClean="0">
-                <a:latin typeface="Minya Nouvelle" pitchFamily="2" charset="0"/>
-              </a:rPr>
-              <a:t>XMLHttpRequest</a:t>
-            </a:r>
-            <a:r>
-              <a:rPr lang="sv-SE" dirty="0" smtClean="0">
-                <a:latin typeface="Minya Nouvelle" pitchFamily="2" charset="0"/>
-              </a:rPr>
-              <a:t>-objektet</a:t>
-            </a:r>
-          </a:p>
-          <a:p>
-            <a:pPr marL="285750" indent="-285750">
-              <a:buFont typeface="Arial" charset="0"/>
-              <a:buChar char="•"/>
-            </a:pPr>
-            <a:r>
-              <a:rPr lang="sv-SE" dirty="0" smtClean="0">
-                <a:latin typeface="Minya Nouvelle" pitchFamily="2" charset="0"/>
-              </a:rPr>
-              <a:t>JSON</a:t>
-            </a:r>
-          </a:p>
-          <a:p>
-            <a:pPr marL="285750" indent="-285750">
-              <a:buFont typeface="Arial" charset="0"/>
-              <a:buChar char="•"/>
-            </a:pPr>
-            <a:endParaRPr lang="sv-SE" dirty="0" smtClean="0">
-              <a:latin typeface="Minya Nouvelle" pitchFamily="2" charset="0"/>
-            </a:endParaRPr>
-          </a:p>
-          <a:p>
-            <a:pPr marL="285750" indent="-285750">
-              <a:buFont typeface="Arial" charset="0"/>
-              <a:buChar char="•"/>
-            </a:pPr>
-            <a:endParaRPr lang="sv-SE" dirty="0" smtClean="0">
-              <a:latin typeface="Minya Nouvelle" pitchFamily="2" charset="0"/>
-            </a:endParaRPr>
-          </a:p>
-          <a:p>
-            <a:pPr marL="285750" indent="-285750">
-              <a:buFont typeface="Arial" charset="0"/>
-              <a:buChar char="•"/>
-            </a:pPr>
-            <a:endParaRPr lang="sv-SE" dirty="0" smtClean="0">
-              <a:latin typeface="Minya Nouvelle" pitchFamily="2" charset="0"/>
-            </a:endParaRPr>
-          </a:p>
-          <a:p>
-            <a:pPr marL="285750" indent="-285750">
-              <a:buFont typeface="Arial" charset="0"/>
-              <a:buChar char="•"/>
-            </a:pPr>
-            <a:endParaRPr lang="sv-SE" dirty="0" smtClean="0">
-              <a:latin typeface="Minya Nouvelle" pitchFamily="2" charset="0"/>
-            </a:endParaRPr>
-          </a:p>
-          <a:p>
-            <a:pPr marL="285750" indent="-285750">
-              <a:buFont typeface="Arial" charset="0"/>
-              <a:buChar char="•"/>
-            </a:pPr>
-            <a:endParaRPr lang="sv-SE" dirty="0" smtClean="0">
-              <a:latin typeface="Minya Nouvelle" pitchFamily="2" charset="0"/>
-            </a:endParaRPr>
-          </a:p>
-          <a:p>
-            <a:pPr marL="285750" indent="-285750">
-              <a:buFont typeface="Arial" charset="0"/>
-              <a:buChar char="•"/>
-            </a:pPr>
-            <a:endParaRPr lang="sv-SE" dirty="0" smtClean="0">
-              <a:latin typeface="Minya Nouvelle" pitchFamily="2" charset="0"/>
-            </a:endParaRPr>
-          </a:p>
-          <a:p>
-            <a:pPr marL="285750" indent="-285750">
-              <a:buFont typeface="Arial" charset="0"/>
-              <a:buChar char="•"/>
-            </a:pPr>
-            <a:endParaRPr lang="sv-SE" dirty="0" smtClean="0">
-              <a:latin typeface="Minya Nouvelle" pitchFamily="2" charset="0"/>
-            </a:endParaRPr>
-          </a:p>
-          <a:p>
-            <a:pPr marL="285750" indent="-285750">
-              <a:buFont typeface="Arial" charset="0"/>
-              <a:buChar char="•"/>
-            </a:pPr>
-            <a:endParaRPr lang="sv-SE" dirty="0" smtClean="0">
-              <a:latin typeface="Minya Nouvelle" pitchFamily="2" charset="0"/>
-            </a:endParaRPr>
-          </a:p>
-        </p:txBody>
-      </p:sp>
-      <p:pic>
-        <p:nvPicPr>
-          <p:cNvPr id="5" name="Picture 2" descr="P:\Icons\128x128\shadow\scroll_preferences.png"/>
-          <p:cNvPicPr>
-            <a:picLocks noChangeAspect="1" noChangeArrowheads="1"/>
-          </p:cNvPicPr>
-          <p:nvPr/>
-        </p:nvPicPr>
-        <p:blipFill>
-          <a:blip r:embed="rId2">
-            <a:extLst>
-              <a:ext uri="{28A0092B-C50C-407E-A947-70E740481C1C}">
-                <a14:useLocalDpi xmlns:a14="http://schemas.microsoft.com/office/drawing/2010/main" val="0"/>
-              </a:ext>
-            </a:extLst>
-          </a:blip>
-          <a:srcRect/>
-          <a:stretch>
-            <a:fillRect/>
-          </a:stretch>
-        </p:blipFill>
-        <p:spPr bwMode="auto">
-          <a:xfrm>
-            <a:off x="7092280" y="500856"/>
-            <a:ext cx="1646237" cy="1646238"/>
-          </a:xfrm>
-          <a:prstGeom prst="rect">
-            <a:avLst/>
-          </a:prstGeom>
-          <a:noFill/>
-          <a:extLst>
-            <a:ext uri="{909E8E84-426E-40dd-AFC4-6F175D3DCCD1}">
-              <a14:hiddenFill xmlns:a14="http://schemas.microsoft.com/office/drawing/2010/main">
-                <a:solidFill>
-                  <a:srgbClr val="FFFFFF"/>
-                </a:solidFill>
-              </a14:hiddenFill>
-            </a:ext>
-          </a:extLst>
-        </p:spPr>
-      </p:pic>
-    </p:spTree>
-  </p:cSld>
-  <p:clrMapOvr>
-    <a:masterClrMapping/>
-  </p:clrMapOvr>
-  <p:timing>
-    <p:tnLst>
-      <p:par>
-        <p:cTn xmlns:p14="http://schemas.microsoft.com/office/powerpoint/2010/main" id="1" dur="indefinite" restart="never" nodeType="tmRoot"/>
-      </p:par>
-    </p:tnLst>
-  </p:timing>
-</p:sld>
-</file>
-
-<file path=ppt/slides/slide20.xml><?xml version="1.0" encoding="utf-8"?>
+<file path=ppt/slides/slide19.xml><?xml version="1.0" encoding="utf-8"?>
 <p:sld xmlns:a="http://schemas.openxmlformats.org/drawingml/2006/main" xmlns:r="http://schemas.openxmlformats.org/officeDocument/2006/relationships" xmlns:p="http://schemas.openxmlformats.org/presentationml/2006/main">
   <p:cSld>
     <p:spTree>
@@ -16914,7 +16074,261 @@
 </p:sld>
 </file>
 
-<file path=ppt/slides/slide21.xml><?xml version="1.0" encoding="utf-8"?>
+<file path=ppt/slides/slide2.xml><?xml version="1.0" encoding="utf-8"?>
+<p:sld xmlns:a="http://schemas.openxmlformats.org/drawingml/2006/main" xmlns:r="http://schemas.openxmlformats.org/officeDocument/2006/relationships" xmlns:p="http://schemas.openxmlformats.org/presentationml/2006/main">
+  <p:cSld>
+    <p:spTree>
+      <p:nvGrpSpPr>
+        <p:cNvPr id="1" name=""/>
+        <p:cNvGrpSpPr/>
+        <p:nvPr/>
+      </p:nvGrpSpPr>
+      <p:grpSpPr>
+        <a:xfrm>
+          <a:off x="0" y="0"/>
+          <a:ext cx="0" cy="0"/>
+          <a:chOff x="0" y="0"/>
+          <a:chExt cx="0" cy="0"/>
+        </a:xfrm>
+      </p:grpSpPr>
+      <p:sp>
+        <p:nvSpPr>
+          <p:cNvPr id="2" name="Title 1"/>
+          <p:cNvSpPr>
+            <a:spLocks noGrp="1"/>
+          </p:cNvSpPr>
+          <p:nvPr>
+            <p:ph type="ctrTitle"/>
+          </p:nvPr>
+        </p:nvSpPr>
+        <p:spPr/>
+        <p:txBody>
+          <a:bodyPr/>
+          <a:lstStyle/>
+          <a:p>
+            <a:r>
+              <a:rPr lang="sv-SE" dirty="0" smtClean="0"/>
+              <a:t>E12 – </a:t>
+            </a:r>
+            <a:r>
+              <a:rPr lang="sv-SE" dirty="0" err="1" smtClean="0"/>
+              <a:t>Evil</a:t>
+            </a:r>
+            <a:r>
+              <a:rPr lang="sv-SE" dirty="0" smtClean="0"/>
+              <a:t> is going on</a:t>
+            </a:r>
+            <a:endParaRPr lang="sv-SE" sz="3200" dirty="0"/>
+          </a:p>
+        </p:txBody>
+      </p:sp>
+      <p:sp>
+        <p:nvSpPr>
+          <p:cNvPr id="4" name="TextBox 3"/>
+          <p:cNvSpPr txBox="1"/>
+          <p:nvPr/>
+        </p:nvSpPr>
+        <p:spPr>
+          <a:xfrm>
+            <a:off x="1403648" y="1378601"/>
+            <a:ext cx="3238322" cy="4001095"/>
+          </a:xfrm>
+          <a:prstGeom prst="rect">
+            <a:avLst/>
+          </a:prstGeom>
+          <a:noFill/>
+        </p:spPr>
+        <p:txBody>
+          <a:bodyPr wrap="none" rtlCol="0">
+            <a:spAutoFit/>
+          </a:bodyPr>
+          <a:lstStyle/>
+          <a:p>
+            <a:r>
+              <a:rPr lang="sv-SE" sz="2800" b="1" dirty="0" smtClean="0">
+                <a:latin typeface="Minya Nouvelle" pitchFamily="2" charset="0"/>
+              </a:rPr>
+              <a:t>Dagens agenda</a:t>
+            </a:r>
+          </a:p>
+          <a:p>
+            <a:endParaRPr lang="sv-SE" sz="2800" dirty="0" smtClean="0">
+              <a:latin typeface="Minya Nouvelle" pitchFamily="2" charset="0"/>
+            </a:endParaRPr>
+          </a:p>
+          <a:p>
+            <a:pPr marL="285750" indent="-285750">
+              <a:buFont typeface="Arial" charset="0"/>
+              <a:buChar char="•"/>
+            </a:pPr>
+            <a:r>
+              <a:rPr lang="sv-SE" dirty="0" smtClean="0">
+                <a:latin typeface="Minya Nouvelle" pitchFamily="2" charset="0"/>
+              </a:rPr>
+              <a:t>AJAX</a:t>
+            </a:r>
+          </a:p>
+          <a:p>
+            <a:pPr marL="285750" indent="-285750">
+              <a:buFont typeface="Arial" charset="0"/>
+              <a:buChar char="•"/>
+            </a:pPr>
+            <a:r>
+              <a:rPr lang="sv-SE" dirty="0" err="1" smtClean="0">
+                <a:latin typeface="Minya Nouvelle" pitchFamily="2" charset="0"/>
+              </a:rPr>
+              <a:t>XMLHttpRequest</a:t>
+            </a:r>
+            <a:r>
+              <a:rPr lang="sv-SE" dirty="0" smtClean="0">
+                <a:latin typeface="Minya Nouvelle" pitchFamily="2" charset="0"/>
+              </a:rPr>
+              <a:t>-objektet</a:t>
+            </a:r>
+          </a:p>
+          <a:p>
+            <a:pPr marL="285750" indent="-285750">
+              <a:buFont typeface="Arial" charset="0"/>
+              <a:buChar char="•"/>
+            </a:pPr>
+            <a:r>
+              <a:rPr lang="sv-SE" dirty="0" smtClean="0">
+                <a:latin typeface="Minya Nouvelle" pitchFamily="2" charset="0"/>
+              </a:rPr>
+              <a:t>JSON</a:t>
+            </a:r>
+          </a:p>
+          <a:p>
+            <a:pPr marL="285750" indent="-285750">
+              <a:buFont typeface="Arial" charset="0"/>
+              <a:buChar char="•"/>
+            </a:pPr>
+            <a:endParaRPr lang="sv-SE" dirty="0" smtClean="0">
+              <a:latin typeface="Minya Nouvelle" pitchFamily="2" charset="0"/>
+            </a:endParaRPr>
+          </a:p>
+          <a:p>
+            <a:pPr marL="285750" indent="-285750">
+              <a:buFont typeface="Arial" charset="0"/>
+              <a:buChar char="•"/>
+            </a:pPr>
+            <a:endParaRPr lang="sv-SE" dirty="0" smtClean="0">
+              <a:latin typeface="Minya Nouvelle" pitchFamily="2" charset="0"/>
+            </a:endParaRPr>
+          </a:p>
+          <a:p>
+            <a:pPr marL="285750" indent="-285750">
+              <a:buFont typeface="Arial" charset="0"/>
+              <a:buChar char="•"/>
+            </a:pPr>
+            <a:endParaRPr lang="sv-SE" dirty="0" smtClean="0">
+              <a:latin typeface="Minya Nouvelle" pitchFamily="2" charset="0"/>
+            </a:endParaRPr>
+          </a:p>
+          <a:p>
+            <a:pPr marL="285750" indent="-285750">
+              <a:buFont typeface="Arial" charset="0"/>
+              <a:buChar char="•"/>
+            </a:pPr>
+            <a:endParaRPr lang="sv-SE" dirty="0" smtClean="0">
+              <a:latin typeface="Minya Nouvelle" pitchFamily="2" charset="0"/>
+            </a:endParaRPr>
+          </a:p>
+          <a:p>
+            <a:pPr marL="285750" indent="-285750">
+              <a:buFont typeface="Arial" charset="0"/>
+              <a:buChar char="•"/>
+            </a:pPr>
+            <a:endParaRPr lang="sv-SE" dirty="0" smtClean="0">
+              <a:latin typeface="Minya Nouvelle" pitchFamily="2" charset="0"/>
+            </a:endParaRPr>
+          </a:p>
+          <a:p>
+            <a:pPr marL="285750" indent="-285750">
+              <a:buFont typeface="Arial" charset="0"/>
+              <a:buChar char="•"/>
+            </a:pPr>
+            <a:endParaRPr lang="sv-SE" dirty="0" smtClean="0">
+              <a:latin typeface="Minya Nouvelle" pitchFamily="2" charset="0"/>
+            </a:endParaRPr>
+          </a:p>
+          <a:p>
+            <a:pPr marL="285750" indent="-285750">
+              <a:buFont typeface="Arial" charset="0"/>
+              <a:buChar char="•"/>
+            </a:pPr>
+            <a:endParaRPr lang="sv-SE" dirty="0" smtClean="0">
+              <a:latin typeface="Minya Nouvelle" pitchFamily="2" charset="0"/>
+            </a:endParaRPr>
+          </a:p>
+          <a:p>
+            <a:pPr marL="285750" indent="-285750">
+              <a:buFont typeface="Arial" charset="0"/>
+              <a:buChar char="•"/>
+            </a:pPr>
+            <a:endParaRPr lang="sv-SE" dirty="0" smtClean="0">
+              <a:latin typeface="Minya Nouvelle" pitchFamily="2" charset="0"/>
+            </a:endParaRPr>
+          </a:p>
+        </p:txBody>
+      </p:sp>
+      <p:pic>
+        <p:nvPicPr>
+          <p:cNvPr id="5" name="Picture 2" descr="P:\Icons\128x128\shadow\scroll_preferences.png"/>
+          <p:cNvPicPr>
+            <a:picLocks noChangeAspect="1" noChangeArrowheads="1"/>
+          </p:cNvPicPr>
+          <p:nvPr/>
+        </p:nvPicPr>
+        <p:blipFill>
+          <a:blip r:embed="rId2">
+            <a:extLst>
+              <a:ext uri="{28A0092B-C50C-407E-A947-70E740481C1C}">
+                <a14:useLocalDpi xmlns:a14="http://schemas.microsoft.com/office/drawing/2010/main" val="0"/>
+              </a:ext>
+            </a:extLst>
+          </a:blip>
+          <a:srcRect/>
+          <a:stretch>
+            <a:fillRect/>
+          </a:stretch>
+        </p:blipFill>
+        <p:spPr bwMode="auto">
+          <a:xfrm>
+            <a:off x="7092280" y="500856"/>
+            <a:ext cx="1646237" cy="1646238"/>
+          </a:xfrm>
+          <a:prstGeom prst="rect">
+            <a:avLst/>
+          </a:prstGeom>
+          <a:noFill/>
+          <a:extLst>
+            <a:ext uri="{909E8E84-426E-40dd-AFC4-6F175D3DCCD1}">
+              <a14:hiddenFill xmlns:a14="http://schemas.microsoft.com/office/drawing/2010/main">
+                <a:solidFill>
+                  <a:srgbClr val="FFFFFF"/>
+                </a:solidFill>
+              </a14:hiddenFill>
+            </a:ext>
+          </a:extLst>
+        </p:spPr>
+      </p:pic>
+    </p:spTree>
+  </p:cSld>
+  <p:clrMapOvr>
+    <a:masterClrMapping/>
+  </p:clrMapOvr>
+  <p:timing>
+    <p:tnLst>
+      <p:par>
+        <p:cTn xmlns:p14="http://schemas.microsoft.com/office/powerpoint/2010/main" id="1" dur="indefinite" restart="never" nodeType="tmRoot"/>
+      </p:par>
+    </p:tnLst>
+  </p:timing>
+</p:sld>
+</file>
+
+<file path=ppt/slides/slide20.xml><?xml version="1.0" encoding="utf-8"?>
 <p:sld xmlns:a="http://schemas.openxmlformats.org/drawingml/2006/main" xmlns:r="http://schemas.openxmlformats.org/officeDocument/2006/relationships" xmlns:p="http://schemas.openxmlformats.org/presentationml/2006/main">
   <p:cSld>
     <p:spTree>
@@ -17399,7 +16813,7 @@
 </p:sld>
 </file>
 
-<file path=ppt/slides/slide22.xml><?xml version="1.0" encoding="utf-8"?>
+<file path=ppt/slides/slide21.xml><?xml version="1.0" encoding="utf-8"?>
 <p:sld xmlns:a="http://schemas.openxmlformats.org/drawingml/2006/main" xmlns:r="http://schemas.openxmlformats.org/officeDocument/2006/relationships" xmlns:p="http://schemas.openxmlformats.org/presentationml/2006/main">
   <p:cSld>
     <p:spTree>
@@ -18271,7 +17685,7 @@
 </p:sld>
 </file>
 
-<file path=ppt/slides/slide23.xml><?xml version="1.0" encoding="utf-8"?>
+<file path=ppt/slides/slide22.xml><?xml version="1.0" encoding="utf-8"?>
 <p:sld xmlns:a="http://schemas.openxmlformats.org/drawingml/2006/main" xmlns:r="http://schemas.openxmlformats.org/officeDocument/2006/relationships" xmlns:p="http://schemas.openxmlformats.org/presentationml/2006/main">
   <p:cSld>
     <p:spTree>
@@ -20128,7 +19542,7 @@
 </p:sld>
 </file>
 
-<file path=ppt/slides/slide24.xml><?xml version="1.0" encoding="utf-8"?>
+<file path=ppt/slides/slide23.xml><?xml version="1.0" encoding="utf-8"?>
 <p:sld xmlns:a="http://schemas.openxmlformats.org/drawingml/2006/main" xmlns:r="http://schemas.openxmlformats.org/officeDocument/2006/relationships" xmlns:p="http://schemas.openxmlformats.org/presentationml/2006/main">
   <p:cSld>
     <p:spTree>
@@ -20979,7 +20393,7 @@
 </p:sld>
 </file>
 
-<file path=ppt/slides/slide25.xml><?xml version="1.0" encoding="utf-8"?>
+<file path=ppt/slides/slide24.xml><?xml version="1.0" encoding="utf-8"?>
 <p:sld xmlns:a="http://schemas.openxmlformats.org/drawingml/2006/main" xmlns:r="http://schemas.openxmlformats.org/officeDocument/2006/relationships" xmlns:p="http://schemas.openxmlformats.org/presentationml/2006/main">
   <p:cSld>
     <p:spTree>
@@ -21547,7 +20961,7 @@
 </p:sld>
 </file>
 
-<file path=ppt/slides/slide26.xml><?xml version="1.0" encoding="utf-8"?>
+<file path=ppt/slides/slide25.xml><?xml version="1.0" encoding="utf-8"?>
 <p:sld xmlns:a="http://schemas.openxmlformats.org/drawingml/2006/main" xmlns:r="http://schemas.openxmlformats.org/officeDocument/2006/relationships" xmlns:p="http://schemas.openxmlformats.org/presentationml/2006/main">
   <p:cSld>
     <p:spTree>
@@ -22135,7 +21549,7 @@
 </p:sld>
 </file>
 
-<file path=ppt/slides/slide27.xml><?xml version="1.0" encoding="utf-8"?>
+<file path=ppt/slides/slide26.xml><?xml version="1.0" encoding="utf-8"?>
 <p:sld xmlns:a="http://schemas.openxmlformats.org/drawingml/2006/main" xmlns:r="http://schemas.openxmlformats.org/officeDocument/2006/relationships" xmlns:p="http://schemas.openxmlformats.org/presentationml/2006/main">
   <p:cSld>
     <p:spTree>
@@ -22456,14 +21870,21 @@
                 <a:latin typeface="Courier New" pitchFamily="49" charset="0"/>
                 <a:cs typeface="Courier New" pitchFamily="49" charset="0"/>
               </a:rPr>
-              <a:t>   </a:t>
+              <a:t>  </a:t>
             </a:r>
             <a:r>
               <a:rPr lang="sv-SE" sz="1600" b="1" dirty="0">
                 <a:latin typeface="Courier New" pitchFamily="49" charset="0"/>
                 <a:cs typeface="Courier New" pitchFamily="49" charset="0"/>
               </a:rPr>
-              <a:t>'</a:t>
+              <a:t> </a:t>
+            </a:r>
+            <a:r>
+              <a:rPr lang="en-US" sz="1600" dirty="0">
+                <a:latin typeface="Courier New" pitchFamily="49" charset="0"/>
+                <a:cs typeface="Courier New" pitchFamily="49" charset="0"/>
+              </a:rPr>
+              <a:t>"</a:t>
             </a:r>
             <a:r>
               <a:rPr lang="sv-SE" sz="1600" b="1" dirty="0" smtClean="0">
@@ -22473,76 +21894,83 @@
               <a:t>id</a:t>
             </a:r>
             <a:r>
+              <a:rPr lang="en-US" sz="1600" dirty="0">
+                <a:latin typeface="Courier New" pitchFamily="49" charset="0"/>
+                <a:cs typeface="Courier New" pitchFamily="49" charset="0"/>
+              </a:rPr>
+              <a:t>"</a:t>
+            </a:r>
+            <a:r>
+              <a:rPr lang="sv-SE" sz="1600" b="1" dirty="0" smtClean="0">
+                <a:latin typeface="Courier New" pitchFamily="49" charset="0"/>
+                <a:cs typeface="Courier New" pitchFamily="49" charset="0"/>
+              </a:rPr>
+              <a:t>: 125,</a:t>
+            </a:r>
+          </a:p>
+          <a:p>
+            <a:r>
               <a:rPr lang="sv-SE" sz="1600" b="1" dirty="0">
                 <a:latin typeface="Courier New" pitchFamily="49" charset="0"/>
                 <a:cs typeface="Courier New" pitchFamily="49" charset="0"/>
               </a:rPr>
-              <a:t>'</a:t>
+              <a:t> </a:t>
             </a:r>
             <a:r>
               <a:rPr lang="sv-SE" sz="1600" b="1" dirty="0" smtClean="0">
                 <a:latin typeface="Courier New" pitchFamily="49" charset="0"/>
                 <a:cs typeface="Courier New" pitchFamily="49" charset="0"/>
               </a:rPr>
-              <a:t>: 125,</a:t>
-            </a:r>
-          </a:p>
-          <a:p>
-            <a:r>
-              <a:rPr lang="sv-SE" sz="1600" b="1" dirty="0">
+              <a:t>  </a:t>
+            </a:r>
+            <a:r>
+              <a:rPr lang="en-US" sz="1600" dirty="0">
                 <a:latin typeface="Courier New" pitchFamily="49" charset="0"/>
                 <a:cs typeface="Courier New" pitchFamily="49" charset="0"/>
               </a:rPr>
-              <a:t> </a:t>
+              <a:t>"</a:t>
+            </a:r>
+            <a:r>
+              <a:rPr lang="sv-SE" sz="1600" b="1" dirty="0" err="1" smtClean="0">
+                <a:latin typeface="Courier New" pitchFamily="49" charset="0"/>
+                <a:cs typeface="Courier New" pitchFamily="49" charset="0"/>
+              </a:rPr>
+              <a:t>name</a:t>
+            </a:r>
+            <a:r>
+              <a:rPr lang="en-US" sz="1600" dirty="0">
+                <a:latin typeface="Courier New" pitchFamily="49" charset="0"/>
+                <a:cs typeface="Courier New" pitchFamily="49" charset="0"/>
+              </a:rPr>
+              <a:t>"</a:t>
             </a:r>
             <a:r>
               <a:rPr lang="sv-SE" sz="1600" b="1" dirty="0" smtClean="0">
                 <a:latin typeface="Courier New" pitchFamily="49" charset="0"/>
                 <a:cs typeface="Courier New" pitchFamily="49" charset="0"/>
               </a:rPr>
-              <a:t>  </a:t>
-            </a:r>
-            <a:r>
-              <a:rPr lang="sv-SE" sz="1600" b="1" dirty="0">
+              <a:t>: </a:t>
+            </a:r>
+            <a:r>
+              <a:rPr lang="en-US" sz="1600" dirty="0">
                 <a:latin typeface="Courier New" pitchFamily="49" charset="0"/>
                 <a:cs typeface="Courier New" pitchFamily="49" charset="0"/>
               </a:rPr>
-              <a:t>'</a:t>
-            </a:r>
-            <a:r>
-              <a:rPr lang="sv-SE" sz="1600" b="1" dirty="0" err="1" smtClean="0">
-                <a:latin typeface="Courier New" pitchFamily="49" charset="0"/>
-                <a:cs typeface="Courier New" pitchFamily="49" charset="0"/>
-              </a:rPr>
-              <a:t>name</a:t>
-            </a:r>
-            <a:r>
-              <a:rPr lang="sv-SE" sz="1600" b="1" dirty="0">
-                <a:latin typeface="Courier New" pitchFamily="49" charset="0"/>
-                <a:cs typeface="Courier New" pitchFamily="49" charset="0"/>
-              </a:rPr>
-              <a:t>'</a:t>
+              <a:t>"</a:t>
             </a:r>
             <a:r>
               <a:rPr lang="sv-SE" sz="1600" b="1" dirty="0" smtClean="0">
                 <a:latin typeface="Courier New" pitchFamily="49" charset="0"/>
                 <a:cs typeface="Courier New" pitchFamily="49" charset="0"/>
               </a:rPr>
-              <a:t>: </a:t>
-            </a:r>
-            <a:r>
-              <a:rPr lang="sv-SE" sz="1600" b="1" dirty="0">
+              <a:t>Aktivitetsarmband</a:t>
+            </a:r>
+            <a:r>
+              <a:rPr lang="en-US" sz="1600" dirty="0">
                 <a:latin typeface="Courier New" pitchFamily="49" charset="0"/>
                 <a:cs typeface="Courier New" pitchFamily="49" charset="0"/>
               </a:rPr>
-              <a:t>'</a:t>
-            </a:r>
-            <a:r>
-              <a:rPr lang="sv-SE" sz="1600" b="1" dirty="0" smtClean="0">
-                <a:latin typeface="Courier New" pitchFamily="49" charset="0"/>
-                <a:cs typeface="Courier New" pitchFamily="49" charset="0"/>
-              </a:rPr>
-              <a:t>Aktivitetsarmband'</a:t>
+              <a:t>"</a:t>
             </a:r>
             <a:endParaRPr lang="sv-SE" sz="1600" b="1" dirty="0">
               <a:latin typeface="Courier New" pitchFamily="49" charset="0"/>
@@ -22732,7 +22160,7 @@
 </p:sld>
 </file>
 
-<file path=ppt/slides/slide28.xml><?xml version="1.0" encoding="utf-8"?>
+<file path=ppt/slides/slide27.xml><?xml version="1.0" encoding="utf-8"?>
 <p:sld xmlns:a="http://schemas.openxmlformats.org/drawingml/2006/main" xmlns:r="http://schemas.openxmlformats.org/officeDocument/2006/relationships" xmlns:p="http://schemas.openxmlformats.org/presentationml/2006/main">
   <p:cSld>
     <p:spTree>
@@ -23871,7 +23299,7 @@
 </p:sld>
 </file>
 
-<file path=ppt/slides/slide29.xml><?xml version="1.0" encoding="utf-8"?>
+<file path=ppt/slides/slide28.xml><?xml version="1.0" encoding="utf-8"?>
 <p:sld xmlns:a="http://schemas.openxmlformats.org/drawingml/2006/main" xmlns:r="http://schemas.openxmlformats.org/officeDocument/2006/relationships" xmlns:p="http://schemas.openxmlformats.org/presentationml/2006/main">
   <p:cSld>
     <p:spTree>
@@ -24220,6 +23648,222 @@
 </p:sld>
 </file>
 
+<file path=ppt/slides/slide29.xml><?xml version="1.0" encoding="utf-8"?>
+<p:sld xmlns:a="http://schemas.openxmlformats.org/drawingml/2006/main" xmlns:r="http://schemas.openxmlformats.org/officeDocument/2006/relationships" xmlns:p="http://schemas.openxmlformats.org/presentationml/2006/main">
+  <p:cSld>
+    <p:spTree>
+      <p:nvGrpSpPr>
+        <p:cNvPr id="1" name=""/>
+        <p:cNvGrpSpPr/>
+        <p:nvPr/>
+      </p:nvGrpSpPr>
+      <p:grpSpPr>
+        <a:xfrm>
+          <a:off x="0" y="0"/>
+          <a:ext cx="0" cy="0"/>
+          <a:chOff x="0" y="0"/>
+          <a:chExt cx="0" cy="0"/>
+        </a:xfrm>
+      </p:grpSpPr>
+      <p:sp>
+        <p:nvSpPr>
+          <p:cNvPr id="2" name="Title 1"/>
+          <p:cNvSpPr>
+            <a:spLocks noGrp="1"/>
+          </p:cNvSpPr>
+          <p:nvPr>
+            <p:ph type="ctrTitle"/>
+          </p:nvPr>
+        </p:nvSpPr>
+        <p:spPr/>
+        <p:txBody>
+          <a:bodyPr/>
+          <a:lstStyle/>
+          <a:p>
+            <a:r>
+              <a:rPr lang="sv-SE" dirty="0" smtClean="0"/>
+              <a:t>Nackdelar</a:t>
+            </a:r>
+            <a:endParaRPr lang="sv-SE" dirty="0"/>
+          </a:p>
+        </p:txBody>
+      </p:sp>
+      <p:sp>
+        <p:nvSpPr>
+          <p:cNvPr id="3" name="Subtitle 2"/>
+          <p:cNvSpPr>
+            <a:spLocks noGrp="1"/>
+          </p:cNvSpPr>
+          <p:nvPr>
+            <p:ph type="subTitle" idx="1"/>
+          </p:nvPr>
+        </p:nvSpPr>
+        <p:spPr>
+          <a:xfrm>
+            <a:off x="395535" y="1201316"/>
+            <a:ext cx="8222375" cy="1460500"/>
+          </a:xfrm>
+        </p:spPr>
+        <p:txBody>
+          <a:bodyPr/>
+          <a:lstStyle/>
+          <a:p>
+            <a:pPr marL="342900" indent="-342900">
+              <a:buFont typeface="Arial" charset="0"/>
+              <a:buChar char="•"/>
+            </a:pPr>
+            <a:r>
+              <a:rPr lang="sv-SE" dirty="0" smtClean="0"/>
+              <a:t>Historiken fungerar inte automatiskt. Svårt med bokmärken.</a:t>
+            </a:r>
+          </a:p>
+          <a:p>
+            <a:pPr marL="342900" indent="-342900">
+              <a:buFont typeface="Arial" charset="0"/>
+              <a:buChar char="•"/>
+            </a:pPr>
+            <a:r>
+              <a:rPr lang="sv-SE" dirty="0" smtClean="0"/>
+              <a:t>Tänk på att sökmotorer </a:t>
+            </a:r>
+            <a:r>
+              <a:rPr lang="sv-SE" dirty="0" smtClean="0"/>
+              <a:t>inte </a:t>
+            </a:r>
+            <a:r>
+              <a:rPr lang="sv-SE" dirty="0" smtClean="0"/>
+              <a:t>exekverar JavaScript</a:t>
+            </a:r>
+            <a:r>
+              <a:rPr lang="sv-SE" dirty="0" smtClean="0"/>
+              <a:t>. (allt för bra) </a:t>
+            </a:r>
+            <a:r>
+              <a:rPr lang="sv-SE" dirty="0" smtClean="0"/>
+              <a:t>Innehållet ska alltså gå att nå ändå.</a:t>
+            </a:r>
+          </a:p>
+          <a:p>
+            <a:pPr marL="342900" indent="-342900">
+              <a:buFont typeface="Arial" charset="0"/>
+              <a:buChar char="•"/>
+            </a:pPr>
+            <a:r>
+              <a:rPr lang="sv-SE" dirty="0" smtClean="0"/>
+              <a:t>Tänk på att JS kan vara avstängt. Bör fungera ändå. (Om det inte är en </a:t>
+            </a:r>
+            <a:r>
+              <a:rPr lang="sv-SE" dirty="0" err="1" smtClean="0"/>
+              <a:t>webbapp</a:t>
+            </a:r>
+            <a:r>
+              <a:rPr lang="sv-SE" dirty="0" smtClean="0"/>
+              <a:t>)</a:t>
+            </a:r>
+          </a:p>
+          <a:p>
+            <a:pPr marL="342900" indent="-342900">
+              <a:buFont typeface="Arial" charset="0"/>
+              <a:buChar char="•"/>
+            </a:pPr>
+            <a:r>
+              <a:rPr lang="sv-SE" dirty="0" smtClean="0"/>
+              <a:t>Svårt att läsa data från annan domän</a:t>
+            </a:r>
+          </a:p>
+          <a:p>
+            <a:pPr marL="342900" indent="-342900">
+              <a:buFont typeface="Arial" charset="0"/>
+              <a:buChar char="•"/>
+            </a:pPr>
+            <a:r>
+              <a:rPr lang="sv-SE" dirty="0" smtClean="0"/>
+              <a:t>Ökar ofta belastningen på webbservern</a:t>
+            </a:r>
+          </a:p>
+          <a:p>
+            <a:pPr marL="342900" indent="-342900">
+              <a:buFont typeface="Arial" charset="0"/>
+              <a:buChar char="•"/>
+            </a:pPr>
+            <a:r>
+              <a:rPr lang="sv-SE" dirty="0" smtClean="0"/>
+              <a:t>Kan ställa till bekymmer för skärmläsare</a:t>
+            </a:r>
+          </a:p>
+          <a:p>
+            <a:pPr marL="342900" indent="-342900">
+              <a:buFont typeface="Arial" charset="0"/>
+              <a:buChar char="•"/>
+            </a:pPr>
+            <a:endParaRPr lang="sv-SE" dirty="0" smtClean="0"/>
+          </a:p>
+          <a:p>
+            <a:endParaRPr lang="sv-SE" dirty="0"/>
+          </a:p>
+        </p:txBody>
+      </p:sp>
+      <p:pic>
+        <p:nvPicPr>
+          <p:cNvPr id="4" name="Picture 4" descr="P:\Icons\48x48\shadow\server_client_exchange.png"/>
+          <p:cNvPicPr>
+            <a:picLocks noChangeAspect="1" noChangeArrowheads="1"/>
+          </p:cNvPicPr>
+          <p:nvPr/>
+        </p:nvPicPr>
+        <p:blipFill>
+          <a:blip r:embed="rId2">
+            <a:extLst>
+              <a:ext uri="{28A0092B-C50C-407E-A947-70E740481C1C}">
+                <a14:useLocalDpi xmlns:a14="http://schemas.microsoft.com/office/drawing/2010/main" val="0"/>
+              </a:ext>
+            </a:extLst>
+          </a:blip>
+          <a:srcRect/>
+          <a:stretch>
+            <a:fillRect/>
+          </a:stretch>
+        </p:blipFill>
+        <p:spPr bwMode="auto">
+          <a:xfrm>
+            <a:off x="8309142" y="265212"/>
+            <a:ext cx="617538" cy="617537"/>
+          </a:xfrm>
+          <a:prstGeom prst="rect">
+            <a:avLst/>
+          </a:prstGeom>
+          <a:noFill/>
+          <a:extLst>
+            <a:ext uri="{909E8E84-426E-40dd-AFC4-6F175D3DCCD1}">
+              <a14:hiddenFill xmlns:a14="http://schemas.microsoft.com/office/drawing/2010/main">
+                <a:solidFill>
+                  <a:srgbClr val="FFFFFF"/>
+                </a:solidFill>
+              </a14:hiddenFill>
+            </a:ext>
+          </a:extLst>
+        </p:spPr>
+      </p:pic>
+    </p:spTree>
+    <p:extLst>
+      <p:ext uri="{BB962C8B-B14F-4D97-AF65-F5344CB8AC3E}">
+        <p14:creationId xmlns:p14="http://schemas.microsoft.com/office/powerpoint/2010/main" val="2097735615"/>
+      </p:ext>
+    </p:extLst>
+  </p:cSld>
+  <p:clrMapOvr>
+    <a:masterClrMapping/>
+  </p:clrMapOvr>
+  <p:timing>
+    <p:tnLst>
+      <p:par>
+        <p:cTn xmlns:p14="http://schemas.microsoft.com/office/powerpoint/2010/main" id="1" dur="indefinite" restart="never" nodeType="tmRoot"/>
+      </p:par>
+    </p:tnLst>
+  </p:timing>
+</p:sld>
+</file>
+
 <file path=ppt/slides/slide3.xml><?xml version="1.0" encoding="utf-8"?>
 <p:sld xmlns:a="http://schemas.openxmlformats.org/drawingml/2006/main" xmlns:r="http://schemas.openxmlformats.org/officeDocument/2006/relationships" xmlns:p="http://schemas.openxmlformats.org/presentationml/2006/main">
   <p:cSld>
@@ -24691,222 +24335,6 @@
           <a:p>
             <a:r>
               <a:rPr lang="sv-SE" dirty="0" smtClean="0"/>
-              <a:t>Nackdelar</a:t>
-            </a:r>
-            <a:endParaRPr lang="sv-SE" dirty="0"/>
-          </a:p>
-        </p:txBody>
-      </p:sp>
-      <p:sp>
-        <p:nvSpPr>
-          <p:cNvPr id="3" name="Subtitle 2"/>
-          <p:cNvSpPr>
-            <a:spLocks noGrp="1"/>
-          </p:cNvSpPr>
-          <p:nvPr>
-            <p:ph type="subTitle" idx="1"/>
-          </p:nvPr>
-        </p:nvSpPr>
-        <p:spPr>
-          <a:xfrm>
-            <a:off x="395535" y="1201316"/>
-            <a:ext cx="8222375" cy="1460500"/>
-          </a:xfrm>
-        </p:spPr>
-        <p:txBody>
-          <a:bodyPr/>
-          <a:lstStyle/>
-          <a:p>
-            <a:pPr marL="342900" indent="-342900">
-              <a:buFont typeface="Arial" charset="0"/>
-              <a:buChar char="•"/>
-            </a:pPr>
-            <a:r>
-              <a:rPr lang="sv-SE" dirty="0" smtClean="0"/>
-              <a:t>Historiken fungerar inte automatiskt. Svårt med bokmärken.</a:t>
-            </a:r>
-          </a:p>
-          <a:p>
-            <a:pPr marL="342900" indent="-342900">
-              <a:buFont typeface="Arial" charset="0"/>
-              <a:buChar char="•"/>
-            </a:pPr>
-            <a:r>
-              <a:rPr lang="sv-SE" dirty="0" smtClean="0"/>
-              <a:t>Tänk på att sökmotorer </a:t>
-            </a:r>
-            <a:r>
-              <a:rPr lang="sv-SE" dirty="0" smtClean="0"/>
-              <a:t>inte </a:t>
-            </a:r>
-            <a:r>
-              <a:rPr lang="sv-SE" dirty="0" smtClean="0"/>
-              <a:t>exekverar JavaScript</a:t>
-            </a:r>
-            <a:r>
-              <a:rPr lang="sv-SE" dirty="0" smtClean="0"/>
-              <a:t>. (allt för bra) </a:t>
-            </a:r>
-            <a:r>
-              <a:rPr lang="sv-SE" dirty="0" smtClean="0"/>
-              <a:t>Innehållet ska alltså gå att nå ändå.</a:t>
-            </a:r>
-          </a:p>
-          <a:p>
-            <a:pPr marL="342900" indent="-342900">
-              <a:buFont typeface="Arial" charset="0"/>
-              <a:buChar char="•"/>
-            </a:pPr>
-            <a:r>
-              <a:rPr lang="sv-SE" dirty="0" smtClean="0"/>
-              <a:t>Tänk på att JS kan vara avstängt. Bör fungera ändå. (Om det inte är en </a:t>
-            </a:r>
-            <a:r>
-              <a:rPr lang="sv-SE" dirty="0" err="1" smtClean="0"/>
-              <a:t>webbapp</a:t>
-            </a:r>
-            <a:r>
-              <a:rPr lang="sv-SE" dirty="0" smtClean="0"/>
-              <a:t>)</a:t>
-            </a:r>
-          </a:p>
-          <a:p>
-            <a:pPr marL="342900" indent="-342900">
-              <a:buFont typeface="Arial" charset="0"/>
-              <a:buChar char="•"/>
-            </a:pPr>
-            <a:r>
-              <a:rPr lang="sv-SE" dirty="0" smtClean="0"/>
-              <a:t>Svårt att läsa data från annan domän</a:t>
-            </a:r>
-          </a:p>
-          <a:p>
-            <a:pPr marL="342900" indent="-342900">
-              <a:buFont typeface="Arial" charset="0"/>
-              <a:buChar char="•"/>
-            </a:pPr>
-            <a:r>
-              <a:rPr lang="sv-SE" dirty="0" smtClean="0"/>
-              <a:t>Ökar ofta belastningen på webbservern</a:t>
-            </a:r>
-          </a:p>
-          <a:p>
-            <a:pPr marL="342900" indent="-342900">
-              <a:buFont typeface="Arial" charset="0"/>
-              <a:buChar char="•"/>
-            </a:pPr>
-            <a:r>
-              <a:rPr lang="sv-SE" dirty="0" smtClean="0"/>
-              <a:t>Kan ställa till bekymmer för skärmläsare</a:t>
-            </a:r>
-          </a:p>
-          <a:p>
-            <a:pPr marL="342900" indent="-342900">
-              <a:buFont typeface="Arial" charset="0"/>
-              <a:buChar char="•"/>
-            </a:pPr>
-            <a:endParaRPr lang="sv-SE" dirty="0" smtClean="0"/>
-          </a:p>
-          <a:p>
-            <a:endParaRPr lang="sv-SE" dirty="0"/>
-          </a:p>
-        </p:txBody>
-      </p:sp>
-      <p:pic>
-        <p:nvPicPr>
-          <p:cNvPr id="4" name="Picture 4" descr="P:\Icons\48x48\shadow\server_client_exchange.png"/>
-          <p:cNvPicPr>
-            <a:picLocks noChangeAspect="1" noChangeArrowheads="1"/>
-          </p:cNvPicPr>
-          <p:nvPr/>
-        </p:nvPicPr>
-        <p:blipFill>
-          <a:blip r:embed="rId2">
-            <a:extLst>
-              <a:ext uri="{28A0092B-C50C-407E-A947-70E740481C1C}">
-                <a14:useLocalDpi xmlns:a14="http://schemas.microsoft.com/office/drawing/2010/main" val="0"/>
-              </a:ext>
-            </a:extLst>
-          </a:blip>
-          <a:srcRect/>
-          <a:stretch>
-            <a:fillRect/>
-          </a:stretch>
-        </p:blipFill>
-        <p:spPr bwMode="auto">
-          <a:xfrm>
-            <a:off x="8309142" y="265212"/>
-            <a:ext cx="617538" cy="617537"/>
-          </a:xfrm>
-          <a:prstGeom prst="rect">
-            <a:avLst/>
-          </a:prstGeom>
-          <a:noFill/>
-          <a:extLst>
-            <a:ext uri="{909E8E84-426E-40dd-AFC4-6F175D3DCCD1}">
-              <a14:hiddenFill xmlns:a14="http://schemas.microsoft.com/office/drawing/2010/main">
-                <a:solidFill>
-                  <a:srgbClr val="FFFFFF"/>
-                </a:solidFill>
-              </a14:hiddenFill>
-            </a:ext>
-          </a:extLst>
-        </p:spPr>
-      </p:pic>
-    </p:spTree>
-    <p:extLst>
-      <p:ext uri="{BB962C8B-B14F-4D97-AF65-F5344CB8AC3E}">
-        <p14:creationId xmlns:p14="http://schemas.microsoft.com/office/powerpoint/2010/main" val="2097735615"/>
-      </p:ext>
-    </p:extLst>
-  </p:cSld>
-  <p:clrMapOvr>
-    <a:masterClrMapping/>
-  </p:clrMapOvr>
-  <p:timing>
-    <p:tnLst>
-      <p:par>
-        <p:cTn xmlns:p14="http://schemas.microsoft.com/office/powerpoint/2010/main" id="1" dur="indefinite" restart="never" nodeType="tmRoot"/>
-      </p:par>
-    </p:tnLst>
-  </p:timing>
-</p:sld>
-</file>
-
-<file path=ppt/slides/slide31.xml><?xml version="1.0" encoding="utf-8"?>
-<p:sld xmlns:a="http://schemas.openxmlformats.org/drawingml/2006/main" xmlns:r="http://schemas.openxmlformats.org/officeDocument/2006/relationships" xmlns:p="http://schemas.openxmlformats.org/presentationml/2006/main">
-  <p:cSld>
-    <p:spTree>
-      <p:nvGrpSpPr>
-        <p:cNvPr id="1" name=""/>
-        <p:cNvGrpSpPr/>
-        <p:nvPr/>
-      </p:nvGrpSpPr>
-      <p:grpSpPr>
-        <a:xfrm>
-          <a:off x="0" y="0"/>
-          <a:ext cx="0" cy="0"/>
-          <a:chOff x="0" y="0"/>
-          <a:chExt cx="0" cy="0"/>
-        </a:xfrm>
-      </p:grpSpPr>
-      <p:sp>
-        <p:nvSpPr>
-          <p:cNvPr id="2" name="Title 1"/>
-          <p:cNvSpPr>
-            <a:spLocks noGrp="1"/>
-          </p:cNvSpPr>
-          <p:nvPr>
-            <p:ph type="ctrTitle"/>
-          </p:nvPr>
-        </p:nvSpPr>
-        <p:spPr/>
-        <p:txBody>
-          <a:bodyPr/>
-          <a:lstStyle/>
-          <a:p>
-            <a:r>
-              <a:rPr lang="sv-SE" dirty="0" smtClean="0"/>
               <a:t>Framtiden</a:t>
             </a:r>
             <a:endParaRPr lang="sv-SE" dirty="0"/>
@@ -25019,7 +24447,7 @@
 </p:sld>
 </file>
 
-<file path=ppt/slides/slide32.xml><?xml version="1.0" encoding="utf-8"?>
+<file path=ppt/slides/slide31.xml><?xml version="1.0" encoding="utf-8"?>
 <p:sld xmlns:a="http://schemas.openxmlformats.org/drawingml/2006/main" xmlns:r="http://schemas.openxmlformats.org/officeDocument/2006/relationships" xmlns:p="http://schemas.openxmlformats.org/presentationml/2006/main">
   <p:cSld>
     <p:spTree>
@@ -25856,7 +25284,7 @@
           <a:graphicData uri="http://schemas.openxmlformats.org/presentationml/2006/ole">
             <mc:AlternateContent xmlns:mc="http://schemas.openxmlformats.org/markup-compatibility/2006">
               <mc:Choice xmlns:v="urn:schemas-microsoft-com:vml" Requires="v">
-                <p:oleObj spid="_x0000_s1057" name="Image" r:id="rId3" imgW="12342857" imgH="8711111" progId="">
+                <p:oleObj spid="_x0000_s1058" name="Image" r:id="rId3" imgW="12342857" imgH="8711111" progId="">
                   <p:embed/>
                 </p:oleObj>
               </mc:Choice>
